--- a/slides.pptx
+++ b/slides.pptx
@@ -370,7 +370,7 @@
           <a:p>
             <a:fld id="{1B6788B3-CA01-7C4F-B9BA-DE2E220B219F}" type="datetimeFigureOut">
               <a:rPr lang="en-US" smtClean="0"/>
-              <a:t>10/14/12</a:t>
+              <a:t>10/16/12</a:t>
             </a:fld>
             <a:endParaRPr lang="en-US" dirty="0"/>
           </a:p>
@@ -540,7 +540,7 @@
           <a:p>
             <a:fld id="{1B6788B3-CA01-7C4F-B9BA-DE2E220B219F}" type="datetimeFigureOut">
               <a:rPr lang="en-US" smtClean="0"/>
-              <a:t>10/14/12</a:t>
+              <a:t>10/16/12</a:t>
             </a:fld>
             <a:endParaRPr lang="en-US" dirty="0"/>
           </a:p>
@@ -758,7 +758,7 @@
             <a:fld id="{1B6788B3-CA01-7C4F-B9BA-DE2E220B219F}" type="datetimeFigureOut">
               <a:rPr lang="en-US" smtClean="0"/>
               <a:pPr/>
-              <a:t>10/14/12</a:t>
+              <a:t>10/16/12</a:t>
             </a:fld>
             <a:endParaRPr lang="en-US" dirty="0"/>
           </a:p>
@@ -2847,8 +2847,8 @@
           <a:lstStyle/>
           <a:p>
             <a:r>
-              <a:rPr lang="en-US" dirty="0" smtClean="0"/>
-              <a:t>Survey</a:t>
+              <a:rPr lang="en-US" smtClean="0"/>
+              <a:t>Quick Survey</a:t>
             </a:r>
             <a:endParaRPr lang="en-US" dirty="0"/>
           </a:p>

--- a/slides.pptx
+++ b/slides.pptx
@@ -1172,9 +1172,42 @@
           <a:p>
             <a:r>
               <a:rPr lang="en-US" dirty="0" smtClean="0"/>
-              <a:t>He “Lonnie” Liu</a:t>
-            </a:r>
-            <a:endParaRPr lang="en-US" dirty="0"/>
+              <a:t>He “Lonnie” </a:t>
+            </a:r>
+            <a:r>
+              <a:rPr lang="en-US" dirty="0" smtClean="0"/>
+              <a:t>Liu</a:t>
+            </a:r>
+          </a:p>
+          <a:p>
+            <a:endParaRPr lang="en-US" dirty="0" smtClean="0"/>
+          </a:p>
+          <a:p>
+            <a:r>
+              <a:rPr lang="en-US" sz="2400" dirty="0"/>
+              <a:t>https://</a:t>
+            </a:r>
+            <a:r>
+              <a:rPr lang="en-US" sz="2400" dirty="0" err="1"/>
+              <a:t>github.com</a:t>
+            </a:r>
+            <a:r>
+              <a:rPr lang="en-US" sz="2400" dirty="0"/>
+              <a:t>/</a:t>
+            </a:r>
+            <a:r>
+              <a:rPr lang="en-US" sz="2400" dirty="0" err="1"/>
+              <a:t>liulonnie</a:t>
+            </a:r>
+            <a:r>
+              <a:rPr lang="en-US" sz="2400" dirty="0"/>
+              <a:t>/making-</a:t>
+            </a:r>
+            <a:r>
+              <a:rPr lang="en-US" sz="2400" dirty="0" err="1"/>
+              <a:t>makefiles</a:t>
+            </a:r>
+            <a:endParaRPr lang="en-US" sz="2400" dirty="0"/>
           </a:p>
         </p:txBody>
       </p:sp>
@@ -2847,7 +2880,7 @@
           <a:lstStyle/>
           <a:p>
             <a:r>
-              <a:rPr lang="en-US" smtClean="0"/>
+              <a:rPr lang="en-US" dirty="0" smtClean="0"/>
               <a:t>Quick Survey</a:t>
             </a:r>
             <a:endParaRPr lang="en-US" dirty="0"/>
@@ -4868,15 +4901,21 @@
           <a:p>
             <a:r>
               <a:rPr lang="en-US" dirty="0" smtClean="0"/>
-              <a:t>No need to recompile everything</a:t>
-            </a:r>
-          </a:p>
-          <a:p>
-            <a:pPr lvl="1"/>
-            <a:r>
-              <a:rPr lang="en-US" dirty="0" smtClean="0"/>
-              <a:t>Time consuming</a:t>
-            </a:r>
+              <a:t>Time consuming </a:t>
+            </a:r>
+            <a:r>
+              <a:rPr lang="en-US" dirty="0" smtClean="0"/>
+              <a:t>to </a:t>
+            </a:r>
+            <a:r>
+              <a:rPr lang="en-US" smtClean="0"/>
+              <a:t>recompile </a:t>
+            </a:r>
+            <a:r>
+              <a:rPr lang="en-US" smtClean="0"/>
+              <a:t>everything</a:t>
+            </a:r>
+            <a:endParaRPr lang="en-US" dirty="0" smtClean="0"/>
           </a:p>
           <a:p>
             <a:r>

--- a/slides.pptx
+++ b/slides.pptx
@@ -4908,11 +4908,11 @@
               <a:t>to </a:t>
             </a:r>
             <a:r>
-              <a:rPr lang="en-US" smtClean="0"/>
+              <a:rPr lang="en-US" dirty="0" smtClean="0"/>
               <a:t>recompile </a:t>
             </a:r>
             <a:r>
-              <a:rPr lang="en-US" smtClean="0"/>
+              <a:rPr lang="en-US" dirty="0" smtClean="0"/>
               <a:t>everything</a:t>
             </a:r>
             <a:endParaRPr lang="en-US" dirty="0" smtClean="0"/>
@@ -5160,20 +5160,43 @@
             <a:pPr lvl="1"/>
             <a:r>
               <a:rPr lang="en-US" dirty="0" smtClean="0"/>
-              <a:t>A node is updated if the content changes</a:t>
-            </a:r>
-          </a:p>
-          <a:p>
-            <a:r>
-              <a:rPr lang="en-US" dirty="0" smtClean="0"/>
-              <a:t>Make updates the other nodes</a:t>
+              <a:t>Idea: </a:t>
+            </a:r>
+            <a:r>
+              <a:rPr lang="en-US" dirty="0" smtClean="0"/>
+              <a:t>A </a:t>
+            </a:r>
+            <a:r>
+              <a:rPr lang="en-US" dirty="0" smtClean="0"/>
+              <a:t>node is updated if the content changes</a:t>
+            </a:r>
+          </a:p>
+          <a:p>
+            <a:r>
+              <a:rPr lang="en-US" dirty="0" smtClean="0">
+                <a:latin typeface="Consolas"/>
+                <a:cs typeface="Consolas"/>
+              </a:rPr>
+              <a:t>make</a:t>
+            </a:r>
+            <a:r>
+              <a:rPr lang="en-US" dirty="0" smtClean="0"/>
+              <a:t> </a:t>
+            </a:r>
+            <a:r>
+              <a:rPr lang="en-US" dirty="0" smtClean="0"/>
+              <a:t>updates the other nodes</a:t>
             </a:r>
           </a:p>
           <a:p>
             <a:pPr lvl="1"/>
             <a:r>
               <a:rPr lang="en-US" dirty="0" smtClean="0"/>
-              <a:t>A node needs update if its sources were modified after the time it was modified last time.</a:t>
+              <a:t>Idea: a </a:t>
+            </a:r>
+            <a:r>
+              <a:rPr lang="en-US" dirty="0" smtClean="0"/>
+              <a:t>node needs update if its sources were modified after the time it was modified last time.</a:t>
             </a:r>
             <a:endParaRPr lang="en-US" dirty="0"/>
           </a:p>
@@ -5293,11 +5316,26 @@
               <a:rPr lang="en-US" dirty="0" smtClean="0"/>
               <a:t>language”</a:t>
             </a:r>
-          </a:p>
-          <a:p>
-            <a:r>
-              <a:rPr lang="en-US" dirty="0" smtClean="0"/>
-              <a:t>Make utility executes the graph of a </a:t>
+            <a:endParaRPr lang="en-US" dirty="0" smtClean="0">
+              <a:latin typeface="Consolas"/>
+              <a:cs typeface="Consolas"/>
+            </a:endParaRPr>
+          </a:p>
+          <a:p>
+            <a:r>
+              <a:rPr lang="en-US" dirty="0" smtClean="0">
+                <a:latin typeface="Consolas"/>
+                <a:cs typeface="Consolas"/>
+              </a:rPr>
+              <a:t>make</a:t>
+            </a:r>
+            <a:r>
+              <a:rPr lang="en-US" dirty="0"/>
+              <a:t> executes </a:t>
+            </a:r>
+            <a:r>
+              <a:rPr lang="en-US" dirty="0" smtClean="0"/>
+              <a:t>the graph of a </a:t>
             </a:r>
             <a:r>
               <a:rPr lang="en-US" dirty="0" err="1" smtClean="0"/>
@@ -5309,7 +5347,30 @@
             <a:pPr lvl="1"/>
             <a:r>
               <a:rPr lang="en-US" dirty="0" smtClean="0"/>
-              <a:t>Depends on existing file system and command line shell</a:t>
+              <a:t>Highly relie</a:t>
+            </a:r>
+            <a:r>
+              <a:rPr lang="en-US" dirty="0" smtClean="0"/>
+              <a:t>s on the </a:t>
+            </a:r>
+            <a:r>
+              <a:rPr lang="en-US" dirty="0" smtClean="0"/>
+              <a:t>existing file system </a:t>
+            </a:r>
+            <a:r>
+              <a:rPr lang="en-US" dirty="0" smtClean="0"/>
+              <a:t/>
+            </a:r>
+            <a:br>
+              <a:rPr lang="en-US" dirty="0" smtClean="0"/>
+            </a:br>
+            <a:r>
+              <a:rPr lang="en-US" dirty="0" smtClean="0"/>
+              <a:t>and the command </a:t>
+            </a:r>
+            <a:r>
+              <a:rPr lang="en-US" dirty="0" smtClean="0"/>
+              <a:t>line shell</a:t>
             </a:r>
           </a:p>
         </p:txBody>
@@ -5483,29 +5544,50 @@
             <a:pPr lvl="1"/>
             <a:r>
               <a:rPr lang="en-US" dirty="0" smtClean="0"/>
-              <a:t>Graph are described like functional languages</a:t>
+              <a:t>Graphs </a:t>
+            </a:r>
+            <a:r>
+              <a:rPr lang="en-US" dirty="0" smtClean="0"/>
+              <a:t>are described like functional languages</a:t>
             </a:r>
           </a:p>
           <a:p>
             <a:pPr lvl="1"/>
             <a:r>
               <a:rPr lang="en-US" dirty="0" smtClean="0"/>
-              <a:t>Graph are executed like procedural languages</a:t>
+              <a:t>Graphs </a:t>
+            </a:r>
+            <a:r>
+              <a:rPr lang="en-US" dirty="0" smtClean="0"/>
+              <a:t>are executed like procedural languages</a:t>
             </a:r>
           </a:p>
           <a:p>
             <a:pPr lvl="1"/>
             <a:r>
               <a:rPr lang="en-US" dirty="0" smtClean="0"/>
-              <a:t>Basic statements are shell commands</a:t>
+              <a:t>Basic </a:t>
+            </a:r>
+            <a:r>
+              <a:rPr lang="en-US" dirty="0" smtClean="0"/>
+              <a:t>“statements” </a:t>
+            </a:r>
+            <a:r>
+              <a:rPr lang="en-US" dirty="0" smtClean="0"/>
+              <a:t>are shell commands</a:t>
             </a:r>
           </a:p>
           <a:p>
             <a:pPr lvl="1"/>
             <a:r>
               <a:rPr lang="en-US" dirty="0" smtClean="0"/>
-              <a:t>Uses bash-like variables</a:t>
-            </a:r>
+              <a:t>Uses bash-like </a:t>
+            </a:r>
+            <a:r>
+              <a:rPr lang="en-US" dirty="0" smtClean="0"/>
+              <a:t>“variables”</a:t>
+            </a:r>
+            <a:endParaRPr lang="en-US" dirty="0" smtClean="0"/>
           </a:p>
           <a:p>
             <a:pPr lvl="1"/>
@@ -5689,7 +5771,19 @@
             </a:pPr>
             <a:r>
               <a:rPr lang="en-US" sz="2600" dirty="0" smtClean="0"/>
-              <a:t>which can be translated to:</a:t>
+              <a:t>which </a:t>
+            </a:r>
+            <a:r>
+              <a:rPr lang="en-US" sz="2600" dirty="0" smtClean="0"/>
+              <a:t>can be translated </a:t>
+            </a:r>
+            <a:r>
+              <a:rPr lang="en-US" sz="2600" dirty="0" smtClean="0"/>
+              <a:t>to</a:t>
+            </a:r>
+            <a:r>
+              <a:rPr lang="en-US" sz="2600" dirty="0" smtClean="0"/>
+              <a:t>:</a:t>
             </a:r>
           </a:p>
           <a:p>
@@ -5706,7 +5800,43 @@
             </a:r>
             <a:r>
               <a:rPr lang="en-US" sz="2400" i="1" dirty="0" smtClean="0"/>
-              <a:t> design is pretty bad, which often lets you  waste too much time on non-critical stuff. You should NOT use it for compiling your projects.</a:t>
+              <a:t> design </a:t>
+            </a:r>
+            <a:r>
+              <a:rPr lang="en-US" sz="2400" i="1" dirty="0" smtClean="0"/>
+              <a:t>often </a:t>
+            </a:r>
+            <a:r>
+              <a:rPr lang="en-US" sz="2400" i="1" dirty="0" smtClean="0"/>
+              <a:t>lets </a:t>
+            </a:r>
+            <a:r>
+              <a:rPr lang="en-US" sz="2400" i="1" dirty="0" smtClean="0"/>
+              <a:t>you </a:t>
+            </a:r>
+            <a:r>
+              <a:rPr lang="en-US" sz="2400" i="1" dirty="0" smtClean="0"/>
+              <a:t>waste too much time on non-critical stuff. You should </a:t>
+            </a:r>
+            <a:r>
+              <a:rPr lang="en-US" sz="2400" i="1" dirty="0" smtClean="0">
+                <a:solidFill>
+                  <a:srgbClr val="FF0000"/>
+                </a:solidFill>
+              </a:rPr>
+              <a:t>NOT</a:t>
+            </a:r>
+            <a:r>
+              <a:rPr lang="en-US" sz="2400" i="1" dirty="0" smtClean="0"/>
+              <a:t> use it for compiling your </a:t>
+            </a:r>
+            <a:r>
+              <a:rPr lang="en-US" sz="2400" i="1" dirty="0" smtClean="0"/>
+              <a:t>large projects</a:t>
+            </a:r>
+            <a:r>
+              <a:rPr lang="en-US" sz="2400" i="1" dirty="0" smtClean="0"/>
+              <a:t>.</a:t>
             </a:r>
             <a:endParaRPr lang="en-US" sz="2400" i="1" dirty="0"/>
           </a:p>
@@ -5768,8 +5898,24 @@
           <a:p>
             <a:pPr marL="0" indent="0"/>
             <a:r>
-              <a:rPr lang="en-US" dirty="0" smtClean="0"/>
-              <a:t>Documentation here:</a:t>
+              <a:rPr lang="en-US" dirty="0" err="1" smtClean="0"/>
+              <a:t>GNUMak</a:t>
+            </a:r>
+            <a:r>
+              <a:rPr lang="en-US" dirty="0" err="1" smtClean="0"/>
+              <a:t>e</a:t>
+            </a:r>
+            <a:r>
+              <a:rPr lang="en-US" smtClean="0"/>
+              <a:t> </a:t>
+            </a:r>
+            <a:r>
+              <a:rPr lang="en-US" smtClean="0"/>
+              <a:t>Documentation </a:t>
+            </a:r>
+            <a:r>
+              <a:rPr lang="en-US" dirty="0" smtClean="0"/>
+              <a:t>here:</a:t>
             </a:r>
             <a:endParaRPr lang="en-US" dirty="0"/>
           </a:p>

--- a/slides.pptx
+++ b/slides.pptx
@@ -2757,7 +2757,14 @@
                 <a:latin typeface="Consolas"/>
                 <a:cs typeface="Consolas"/>
               </a:rPr>
-              <a:t>    @-</a:t>
+              <a:t>    </a:t>
+            </a:r>
+            <a:r>
+              <a:rPr lang="en-US" sz="2800" dirty="0" smtClean="0">
+                <a:latin typeface="Consolas"/>
+                <a:cs typeface="Consolas"/>
+              </a:rPr>
+              <a:t>@</a:t>
             </a:r>
             <a:r>
               <a:rPr lang="en-US" sz="2800" dirty="0" err="1" smtClean="0">
@@ -2771,7 +2778,14 @@
                 <a:latin typeface="Consolas"/>
                 <a:cs typeface="Consolas"/>
               </a:rPr>
-              <a:t> -p </a:t>
+              <a:t> </a:t>
+            </a:r>
+            <a:r>
+              <a:rPr lang="en-US" sz="2800" dirty="0" smtClean="0">
+                <a:latin typeface="Consolas"/>
+                <a:cs typeface="Consolas"/>
+              </a:rPr>
+              <a:t>-p </a:t>
             </a:r>
             <a:r>
               <a:rPr lang="en-US" sz="2800" dirty="0" err="1" smtClean="0">
@@ -3347,8 +3361,42 @@
                 <a:latin typeface="Consolas"/>
                 <a:cs typeface="Consolas"/>
               </a:rPr>
-              <a:t>,$(SRCS))</a:t>
-            </a:r>
+              <a:t>,$(SRCS)</a:t>
+            </a:r>
+            <a:r>
+              <a:rPr lang="en-US" sz="2800" dirty="0" smtClean="0">
+                <a:latin typeface="Consolas"/>
+                <a:cs typeface="Consolas"/>
+              </a:rPr>
+              <a:t>)</a:t>
+            </a:r>
+          </a:p>
+          <a:p>
+            <a:r>
+              <a:rPr lang="en-US" sz="2800" dirty="0" smtClean="0">
+                <a:latin typeface="Consolas"/>
+                <a:cs typeface="Consolas"/>
+              </a:rPr>
+              <a:t>$(</a:t>
+            </a:r>
+            <a:r>
+              <a:rPr lang="en-US" sz="2800" dirty="0" err="1" smtClean="0">
+                <a:latin typeface="Consolas"/>
+                <a:cs typeface="Consolas"/>
+              </a:rPr>
+              <a:t>addprefix</a:t>
+            </a:r>
+            <a:r>
+              <a:rPr lang="en-US" sz="2800" smtClean="0">
+                <a:latin typeface="Consolas"/>
+                <a:cs typeface="Consolas"/>
+              </a:rPr>
+              <a:t> bin/,$(PROGRAMS))</a:t>
+            </a:r>
+            <a:endParaRPr lang="en-US" sz="2800" dirty="0" smtClean="0">
+              <a:latin typeface="Consolas"/>
+              <a:cs typeface="Consolas"/>
+            </a:endParaRPr>
           </a:p>
           <a:p>
             <a:r>
@@ -5906,11 +5954,11 @@
               <a:t>e</a:t>
             </a:r>
             <a:r>
-              <a:rPr lang="en-US" smtClean="0"/>
+              <a:rPr lang="en-US" dirty="0" smtClean="0"/>
               <a:t> </a:t>
             </a:r>
             <a:r>
-              <a:rPr lang="en-US" smtClean="0"/>
+              <a:rPr lang="en-US" dirty="0" smtClean="0"/>
               <a:t>Documentation </a:t>
             </a:r>
             <a:r>

--- a/slides.pptx
+++ b/slides.pptx
@@ -3387,7 +3387,7 @@
               <a:t>addprefix</a:t>
             </a:r>
             <a:r>
-              <a:rPr lang="en-US" sz="2800" smtClean="0">
+              <a:rPr lang="en-US" sz="2800" dirty="0" smtClean="0">
                 <a:latin typeface="Consolas"/>
                 <a:cs typeface="Consolas"/>
               </a:rPr>
@@ -4902,8 +4902,8 @@
           <a:lstStyle/>
           <a:p>
             <a:r>
-              <a:rPr lang="en-US" dirty="0" smtClean="0"/>
-              <a:t>Compiling a Project is Complicate</a:t>
+              <a:rPr lang="en-US" smtClean="0"/>
+              <a:t>Compiling is Complicated</a:t>
             </a:r>
             <a:endParaRPr lang="en-US" dirty="0"/>
           </a:p>

--- a/slides.pptx
+++ b/slides.pptx
@@ -2541,6 +2541,13 @@
   <p:clrMapOvr>
     <a:masterClrMapping/>
   </p:clrMapOvr>
+  <p:timing>
+    <p:tnLst>
+      <p:par>
+        <p:cTn xmlns:p14="http://schemas.microsoft.com/office/powerpoint/2010/main" id="1" dur="indefinite" restart="never" nodeType="tmRoot"/>
+      </p:par>
+    </p:tnLst>
+  </p:timing>
 </p:sld>
 </file>
 
@@ -2858,6 +2865,13 @@
   <p:clrMapOvr>
     <a:masterClrMapping/>
   </p:clrMapOvr>
+  <p:timing>
+    <p:tnLst>
+      <p:par>
+        <p:cTn xmlns:p14="http://schemas.microsoft.com/office/powerpoint/2010/main" id="1" dur="indefinite" restart="never" nodeType="tmRoot"/>
+      </p:par>
+    </p:tnLst>
+  </p:timing>
 </p:sld>
 </file>
 
@@ -3282,22 +3296,47 @@
                 <a:latin typeface="Consolas"/>
                 <a:cs typeface="Consolas"/>
               </a:rPr>
-              <a:t>$(wildcard *.</a:t>
+              <a:t>$(wildcard </a:t>
             </a:r>
             <a:r>
               <a:rPr lang="en-US" sz="2800" dirty="0" err="1" smtClean="0">
                 <a:latin typeface="Consolas"/>
                 <a:cs typeface="Consolas"/>
               </a:rPr>
-              <a:t>cpp,src</a:t>
+              <a:t>src</a:t>
             </a:r>
             <a:r>
               <a:rPr lang="en-US" sz="2800" dirty="0" smtClean="0">
                 <a:latin typeface="Consolas"/>
                 <a:cs typeface="Consolas"/>
               </a:rPr>
+              <a:t>/*</a:t>
+            </a:r>
+            <a:r>
+              <a:rPr lang="en-US" sz="2800" dirty="0" smtClean="0">
+                <a:latin typeface="Consolas"/>
+                <a:cs typeface="Consolas"/>
+              </a:rPr>
+              <a:t>.</a:t>
+            </a:r>
+            <a:r>
+              <a:rPr lang="en-US" sz="2800" dirty="0" err="1" smtClean="0">
+                <a:latin typeface="Consolas"/>
+                <a:cs typeface="Consolas"/>
+              </a:rPr>
+              <a:t>cpp</a:t>
+            </a:r>
+            <a:r>
+              <a:rPr lang="en-US" sz="2800" dirty="0" smtClean="0">
+                <a:latin typeface="Consolas"/>
+                <a:cs typeface="Consolas"/>
+              </a:rPr>
               <a:t>)</a:t>
             </a:r>
+            <a:endParaRPr lang="en-US" sz="2800" dirty="0" smtClean="0">
+              <a:latin typeface="Consolas"/>
+              <a:cs typeface="Consolas"/>
+            </a:endParaRPr>
           </a:p>
           <a:p>
             <a:r>
@@ -3497,6 +3536,13 @@
   <p:clrMapOvr>
     <a:masterClrMapping/>
   </p:clrMapOvr>
+  <p:timing>
+    <p:tnLst>
+      <p:par>
+        <p:cTn xmlns:p14="http://schemas.microsoft.com/office/powerpoint/2010/main" id="1" dur="indefinite" restart="never" nodeType="tmRoot"/>
+      </p:par>
+    </p:tnLst>
+  </p:timing>
 </p:sld>
 </file>
 
@@ -4110,7 +4156,35 @@
                 <a:latin typeface="Consolas"/>
                 <a:cs typeface="Consolas"/>
               </a:rPr>
-              <a:t>$(call function, parameters, …)</a:t>
+              <a:t>$(call </a:t>
+            </a:r>
+            <a:r>
+              <a:rPr lang="en-US" sz="2800" dirty="0" err="1" smtClean="0">
+                <a:latin typeface="Consolas"/>
+                <a:cs typeface="Consolas"/>
+              </a:rPr>
+              <a:t>function</a:t>
+            </a:r>
+            <a:r>
+              <a:rPr lang="en-US" sz="2800" dirty="0" err="1" smtClean="0">
+                <a:latin typeface="Consolas"/>
+                <a:cs typeface="Consolas"/>
+              </a:rPr>
+              <a:t>,parameters</a:t>
+            </a:r>
+            <a:r>
+              <a:rPr lang="en-US" sz="2800" smtClean="0">
+                <a:latin typeface="Consolas"/>
+                <a:cs typeface="Consolas"/>
+              </a:rPr>
+              <a:t>,…</a:t>
+            </a:r>
+            <a:r>
+              <a:rPr lang="en-US" sz="2800" dirty="0" smtClean="0">
+                <a:latin typeface="Consolas"/>
+                <a:cs typeface="Consolas"/>
+              </a:rPr>
+              <a:t>)</a:t>
             </a:r>
           </a:p>
           <a:p>
@@ -4902,7 +4976,7 @@
           <a:lstStyle/>
           <a:p>
             <a:r>
-              <a:rPr lang="en-US" smtClean="0"/>
+              <a:rPr lang="en-US" dirty="0" smtClean="0"/>
               <a:t>Compiling is Complicated</a:t>
             </a:r>
             <a:endParaRPr lang="en-US" dirty="0"/>
